--- a/documentation_source/systemdiagram.pptx
+++ b/documentation_source/systemdiagram.pptx
@@ -15046,9 +15046,9 @@
         <p:grpSpPr>
           <a:xfrm>
             <a:off x="622863" y="277175"/>
-            <a:ext cx="10070562" cy="5946300"/>
+            <a:ext cx="10070562" cy="5794800"/>
             <a:chOff x="622863" y="734375"/>
-            <a:chExt cx="10070562" cy="5946300"/>
+            <a:chExt cx="10070562" cy="5794800"/>
           </a:xfrm>
         </p:grpSpPr>
         <p:sp>
@@ -15060,7 +15060,7 @@
           <p:spPr>
             <a:xfrm>
               <a:off x="1024125" y="734375"/>
-              <a:ext cx="9669300" cy="5946300"/>
+              <a:ext cx="9669300" cy="5794800"/>
             </a:xfrm>
             <a:prstGeom prst="roundRect">
               <a:avLst>
@@ -15134,7 +15134,7 @@
           <p:spPr>
             <a:xfrm>
               <a:off x="2420975" y="1186000"/>
-              <a:ext cx="6840600" cy="5343900"/>
+              <a:ext cx="6840600" cy="5008500"/>
             </a:xfrm>
             <a:prstGeom prst="rect">
               <a:avLst/>
@@ -15561,7 +15561,7 @@
           <p:spPr>
             <a:xfrm>
               <a:off x="5588825" y="1528975"/>
-              <a:ext cx="1280100" cy="4854000"/>
+              <a:ext cx="1280100" cy="4448100"/>
             </a:xfrm>
             <a:prstGeom prst="rect">
               <a:avLst/>
@@ -20014,7 +20014,7 @@
         </p:nvGrpSpPr>
         <p:grpSpPr>
           <a:xfrm>
-            <a:off x="3568370" y="4878255"/>
+            <a:off x="7620108" y="4708380"/>
             <a:ext cx="1280100" cy="457200"/>
             <a:chOff x="3585033" y="3673430"/>
             <a:chExt cx="1280100" cy="457200"/>
@@ -20080,7 +20080,7 @@
                   <a:cs typeface="Arial"/>
                   <a:sym typeface="Arial"/>
                 </a:rPr>
-                <a:t>IIC1</a:t>
+                <a:t>SPI1</a:t>
               </a:r>
               <a:endParaRPr b="0" i="0" sz="1400" u="none" cap="none" strike="noStrike">
                 <a:solidFill>
@@ -20169,7 +20169,7 @@
         </p:nvGrpSpPr>
         <p:grpSpPr>
           <a:xfrm>
-            <a:off x="7620108" y="4708380"/>
+            <a:off x="3565720" y="4878255"/>
             <a:ext cx="1280100" cy="457200"/>
             <a:chOff x="3585033" y="3673430"/>
             <a:chExt cx="1280100" cy="457200"/>
@@ -20235,7 +20235,7 @@
                   <a:cs typeface="Arial"/>
                   <a:sym typeface="Arial"/>
                 </a:rPr>
-                <a:t>SPI1</a:t>
+                <a:t>GPIO1</a:t>
               </a:r>
               <a:endParaRPr b="0" i="0" sz="1400" u="none" cap="none" strike="noStrike">
                 <a:solidFill>
@@ -20316,164 +20316,9 @@
           </p:txBody>
         </p:sp>
       </p:grpSp>
-      <p:grpSp>
-        <p:nvGrpSpPr>
-          <p:cNvPr id="176" name="Google Shape;176;p13"/>
-          <p:cNvGrpSpPr/>
-          <p:nvPr/>
-        </p:nvGrpSpPr>
-        <p:grpSpPr>
-          <a:xfrm>
-            <a:off x="7620108" y="5335455"/>
-            <a:ext cx="1280100" cy="457200"/>
-            <a:chOff x="3585033" y="3673430"/>
-            <a:chExt cx="1280100" cy="457200"/>
-          </a:xfrm>
-        </p:grpSpPr>
-        <p:sp>
-          <p:nvSpPr>
-            <p:cNvPr id="177" name="Google Shape;177;p13"/>
-            <p:cNvSpPr/>
-            <p:nvPr/>
-          </p:nvSpPr>
-          <p:spPr>
-            <a:xfrm>
-              <a:off x="3585033" y="3673430"/>
-              <a:ext cx="1280100" cy="457200"/>
-            </a:xfrm>
-            <a:prstGeom prst="rect">
-              <a:avLst/>
-            </a:prstGeom>
-            <a:solidFill>
-              <a:srgbClr val="E5DFEC"/>
-            </a:solidFill>
-            <a:ln cap="flat" cmpd="sng" w="25400">
-              <a:solidFill>
-                <a:schemeClr val="dk1"/>
-              </a:solidFill>
-              <a:prstDash val="solid"/>
-              <a:round/>
-              <a:headEnd len="sm" w="sm" type="none"/>
-              <a:tailEnd len="sm" w="sm" type="none"/>
-            </a:ln>
-          </p:spPr>
-          <p:txBody>
-            <a:bodyPr anchorCtr="0" anchor="ctr" bIns="45700" lIns="91425" spcFirstLastPara="1" rIns="91425" wrap="square" tIns="45700">
-              <a:noAutofit/>
-            </a:bodyPr>
-            <a:lstStyle/>
-            <a:p>
-              <a:pPr indent="0" lvl="0" marL="0" marR="0" rtl="0" algn="ctr">
-                <a:lnSpc>
-                  <a:spcPct val="100000"/>
-                </a:lnSpc>
-                <a:spcBef>
-                  <a:spcPts val="0"/>
-                </a:spcBef>
-                <a:spcAft>
-                  <a:spcPts val="0"/>
-                </a:spcAft>
-                <a:buClr>
-                  <a:srgbClr val="000000"/>
-                </a:buClr>
-                <a:buSzPts val="1400"/>
-                <a:buFont typeface="Arial"/>
-                <a:buNone/>
-              </a:pPr>
-              <a:r>
-                <a:rPr b="0" i="0" lang="en-US" sz="1400" u="none" cap="none" strike="noStrike">
-                  <a:solidFill>
-                    <a:srgbClr val="222222"/>
-                  </a:solidFill>
-                  <a:latin typeface="Arial"/>
-                  <a:ea typeface="Arial"/>
-                  <a:cs typeface="Arial"/>
-                  <a:sym typeface="Arial"/>
-                </a:rPr>
-                <a:t>GPIO1</a:t>
-              </a:r>
-              <a:endParaRPr b="0" i="0" sz="1400" u="none" cap="none" strike="noStrike">
-                <a:solidFill>
-                  <a:srgbClr val="222222"/>
-                </a:solidFill>
-                <a:latin typeface="Arial"/>
-                <a:ea typeface="Arial"/>
-                <a:cs typeface="Arial"/>
-                <a:sym typeface="Arial"/>
-              </a:endParaRPr>
-            </a:p>
-          </p:txBody>
-        </p:sp>
-        <p:sp>
-          <p:nvSpPr>
-            <p:cNvPr id="178" name="Google Shape;178;p13"/>
-            <p:cNvSpPr/>
-            <p:nvPr/>
-          </p:nvSpPr>
-          <p:spPr>
-            <a:xfrm flipH="1">
-              <a:off x="4492311" y="3726770"/>
-              <a:ext cx="365700" cy="365700"/>
-            </a:xfrm>
-            <a:prstGeom prst="rect">
-              <a:avLst/>
-            </a:prstGeom>
-            <a:noFill/>
-            <a:ln>
-              <a:noFill/>
-            </a:ln>
-          </p:spPr>
-          <p:txBody>
-            <a:bodyPr anchorCtr="0" anchor="ctr" bIns="45700" lIns="91425" spcFirstLastPara="1" rIns="91425" wrap="square" tIns="45700">
-              <a:noAutofit/>
-            </a:bodyPr>
-            <a:lstStyle/>
-            <a:p>
-              <a:pPr indent="0" lvl="0" marL="0" marR="0" rtl="0" algn="ctr">
-                <a:lnSpc>
-                  <a:spcPct val="100000"/>
-                </a:lnSpc>
-                <a:spcBef>
-                  <a:spcPts val="0"/>
-                </a:spcBef>
-                <a:spcAft>
-                  <a:spcPts val="0"/>
-                </a:spcAft>
-                <a:buClr>
-                  <a:srgbClr val="000000"/>
-                </a:buClr>
-                <a:buSzPts val="1400"/>
-                <a:buFont typeface="Arial"/>
-                <a:buNone/>
-              </a:pPr>
-              <a:r>
-                <a:rPr b="0" i="0" lang="en-US" sz="1400" u="none" cap="none" strike="noStrike">
-                  <a:solidFill>
-                    <a:schemeClr val="dk1"/>
-                  </a:solidFill>
-                  <a:latin typeface="Calibri"/>
-                  <a:ea typeface="Calibri"/>
-                  <a:cs typeface="Calibri"/>
-                  <a:sym typeface="Calibri"/>
-                </a:rPr>
-                <a:t>S</a:t>
-              </a:r>
-              <a:endParaRPr b="0" i="0" sz="1400" u="none" cap="none" strike="noStrike">
-                <a:solidFill>
-                  <a:srgbClr val="000000"/>
-                </a:solidFill>
-                <a:latin typeface="Arial"/>
-                <a:ea typeface="Arial"/>
-                <a:cs typeface="Arial"/>
-                <a:sym typeface="Arial"/>
-              </a:endParaRPr>
-            </a:p>
-          </p:txBody>
-        </p:sp>
-      </p:grpSp>
       <p:sp>
         <p:nvSpPr>
-          <p:cNvPr id="179" name="Google Shape;179;p13"/>
+          <p:cNvPr id="176" name="Google Shape;176;p13"/>
           <p:cNvSpPr txBox="1"/>
           <p:nvPr/>
         </p:nvSpPr>
@@ -20579,7 +20424,7 @@
       </p:sp>
       <p:cxnSp>
         <p:nvCxnSpPr>
-          <p:cNvPr id="180" name="Google Shape;180;p13"/>
+          <p:cNvPr id="177" name="Google Shape;177;p13"/>
           <p:cNvCxnSpPr/>
           <p:nvPr/>
         </p:nvCxnSpPr>
@@ -20605,7 +20450,7 @@
       </p:cxnSp>
       <p:cxnSp>
         <p:nvCxnSpPr>
-          <p:cNvPr id="181" name="Google Shape;181;p13"/>
+          <p:cNvPr id="178" name="Google Shape;178;p13"/>
           <p:cNvCxnSpPr/>
           <p:nvPr/>
         </p:nvCxnSpPr>
@@ -20631,33 +20476,7 @@
       </p:cxnSp>
       <p:cxnSp>
         <p:nvCxnSpPr>
-          <p:cNvPr id="182" name="Google Shape;182;p13"/>
-          <p:cNvCxnSpPr/>
-          <p:nvPr/>
-        </p:nvCxnSpPr>
-        <p:spPr>
-          <a:xfrm rot="10800000">
-            <a:off x="6877006" y="5564042"/>
-            <a:ext cx="731700" cy="0"/>
-          </a:xfrm>
-          <a:prstGeom prst="straightConnector1">
-            <a:avLst/>
-          </a:prstGeom>
-          <a:noFill/>
-          <a:ln cap="flat" cmpd="sng" w="28575">
-            <a:solidFill>
-              <a:schemeClr val="dk1"/>
-            </a:solidFill>
-            <a:prstDash val="solid"/>
-            <a:round/>
-            <a:headEnd len="sm" w="sm" type="none"/>
-            <a:tailEnd len="sm" w="sm" type="none"/>
-          </a:ln>
-        </p:spPr>
-      </p:cxnSp>
-      <p:cxnSp>
-        <p:nvCxnSpPr>
-          <p:cNvPr id="183" name="Google Shape;183;p13"/>
+          <p:cNvPr id="179" name="Google Shape;179;p13"/>
           <p:cNvCxnSpPr/>
           <p:nvPr/>
         </p:nvCxnSpPr>
@@ -20683,7 +20502,7 @@
       </p:cxnSp>
       <p:cxnSp>
         <p:nvCxnSpPr>
-          <p:cNvPr id="184" name="Google Shape;184;p13"/>
+          <p:cNvPr id="180" name="Google Shape;180;p13"/>
           <p:cNvCxnSpPr/>
           <p:nvPr/>
         </p:nvCxnSpPr>
@@ -20709,7 +20528,7 @@
       </p:cxnSp>
       <p:sp>
         <p:nvSpPr>
-          <p:cNvPr id="185" name="Google Shape;185;p13"/>
+          <p:cNvPr id="181" name="Google Shape;181;p13"/>
           <p:cNvSpPr/>
           <p:nvPr/>
         </p:nvSpPr>
@@ -20775,7 +20594,7 @@
       </p:sp>
       <p:sp>
         <p:nvSpPr>
-          <p:cNvPr id="186" name="Google Shape;186;p13"/>
+          <p:cNvPr id="182" name="Google Shape;182;p13"/>
           <p:cNvSpPr/>
           <p:nvPr/>
         </p:nvSpPr>
@@ -20841,7 +20660,7 @@
       </p:sp>
       <p:sp>
         <p:nvSpPr>
-          <p:cNvPr id="187" name="Google Shape;187;p13"/>
+          <p:cNvPr id="183" name="Google Shape;183;p13"/>
           <p:cNvSpPr/>
           <p:nvPr/>
         </p:nvSpPr>
@@ -20907,7 +20726,7 @@
       </p:sp>
       <p:sp>
         <p:nvSpPr>
-          <p:cNvPr id="188" name="Google Shape;188;p13"/>
+          <p:cNvPr id="184" name="Google Shape;184;p13"/>
           <p:cNvSpPr/>
           <p:nvPr/>
         </p:nvSpPr>
@@ -20973,73 +20792,7 @@
       </p:sp>
       <p:sp>
         <p:nvSpPr>
-          <p:cNvPr id="189" name="Google Shape;189;p13"/>
-          <p:cNvSpPr/>
-          <p:nvPr/>
-        </p:nvSpPr>
-        <p:spPr>
-          <a:xfrm>
-            <a:off x="6499908" y="5381210"/>
-            <a:ext cx="365700" cy="365700"/>
-          </a:xfrm>
-          <a:prstGeom prst="rect">
-            <a:avLst/>
-          </a:prstGeom>
-          <a:noFill/>
-          <a:ln>
-            <a:noFill/>
-          </a:ln>
-        </p:spPr>
-        <p:txBody>
-          <a:bodyPr anchorCtr="0" anchor="ctr" bIns="45700" lIns="91425" spcFirstLastPara="1" rIns="91425" wrap="square" tIns="45700">
-            <a:noAutofit/>
-          </a:bodyPr>
-          <a:lstStyle/>
-          <a:p>
-            <a:pPr indent="0" lvl="0" marL="0" marR="0" rtl="0" algn="ctr">
-              <a:lnSpc>
-                <a:spcPct val="100000"/>
-              </a:lnSpc>
-              <a:spcBef>
-                <a:spcPts val="0"/>
-              </a:spcBef>
-              <a:spcAft>
-                <a:spcPts val="0"/>
-              </a:spcAft>
-              <a:buClr>
-                <a:srgbClr val="000000"/>
-              </a:buClr>
-              <a:buSzPts val="1400"/>
-              <a:buFont typeface="Arial"/>
-              <a:buNone/>
-            </a:pPr>
-            <a:r>
-              <a:rPr b="0" i="0" lang="en-US" sz="1400" u="none" cap="none" strike="noStrike">
-                <a:solidFill>
-                  <a:schemeClr val="dk1"/>
-                </a:solidFill>
-                <a:latin typeface="Calibri"/>
-                <a:ea typeface="Calibri"/>
-                <a:cs typeface="Calibri"/>
-                <a:sym typeface="Calibri"/>
-              </a:rPr>
-              <a:t>M</a:t>
-            </a:r>
-            <a:endParaRPr b="0" i="0" sz="1600" u="none" cap="none" strike="noStrike">
-              <a:solidFill>
-                <a:schemeClr val="dk1"/>
-              </a:solidFill>
-              <a:latin typeface="Calibri"/>
-              <a:ea typeface="Calibri"/>
-              <a:cs typeface="Calibri"/>
-              <a:sym typeface="Calibri"/>
-            </a:endParaRPr>
-          </a:p>
-        </p:txBody>
-      </p:sp>
-      <p:sp>
-        <p:nvSpPr>
-          <p:cNvPr id="190" name="Google Shape;190;p13"/>
+          <p:cNvPr id="185" name="Google Shape;185;p13"/>
           <p:cNvSpPr txBox="1"/>
           <p:nvPr/>
         </p:nvSpPr>
@@ -21145,7 +20898,7 @@
       </p:sp>
       <p:sp>
         <p:nvSpPr>
-          <p:cNvPr id="191" name="Google Shape;191;p13"/>
+          <p:cNvPr id="186" name="Google Shape;186;p13"/>
           <p:cNvSpPr txBox="1"/>
           <p:nvPr/>
         </p:nvSpPr>
@@ -21251,7 +21004,7 @@
       </p:sp>
       <p:sp>
         <p:nvSpPr>
-          <p:cNvPr id="192" name="Google Shape;192;p13"/>
+          <p:cNvPr id="187" name="Google Shape;187;p13"/>
           <p:cNvSpPr txBox="1"/>
           <p:nvPr/>
         </p:nvSpPr>
@@ -21357,113 +21110,7 @@
       </p:sp>
       <p:sp>
         <p:nvSpPr>
-          <p:cNvPr id="193" name="Google Shape;193;p13"/>
-          <p:cNvSpPr txBox="1"/>
-          <p:nvPr/>
-        </p:nvSpPr>
-        <p:spPr>
-          <a:xfrm>
-            <a:off x="6865606" y="5313991"/>
-            <a:ext cx="754500" cy="500100"/>
-          </a:xfrm>
-          <a:prstGeom prst="rect">
-            <a:avLst/>
-          </a:prstGeom>
-          <a:noFill/>
-          <a:ln>
-            <a:noFill/>
-          </a:ln>
-        </p:spPr>
-        <p:txBody>
-          <a:bodyPr anchorCtr="0" anchor="t" bIns="45700" lIns="91425" spcFirstLastPara="1" rIns="91425" wrap="square" tIns="45700">
-            <a:noAutofit/>
-          </a:bodyPr>
-          <a:lstStyle/>
-          <a:p>
-            <a:pPr indent="0" lvl="0" marL="0" marR="0" rtl="0" algn="ctr">
-              <a:lnSpc>
-                <a:spcPct val="100000"/>
-              </a:lnSpc>
-              <a:spcBef>
-                <a:spcPts val="0"/>
-              </a:spcBef>
-              <a:spcAft>
-                <a:spcPts val="0"/>
-              </a:spcAft>
-              <a:buClr>
-                <a:srgbClr val="000000"/>
-              </a:buClr>
-              <a:buSzPts val="1200"/>
-              <a:buFont typeface="Arial"/>
-              <a:buNone/>
-            </a:pPr>
-            <a:r>
-              <a:rPr b="0" i="0" lang="en-US" sz="1200" u="none" cap="none" strike="noStrike">
-                <a:solidFill>
-                  <a:schemeClr val="dk1"/>
-                </a:solidFill>
-                <a:latin typeface="Calibri"/>
-                <a:ea typeface="Calibri"/>
-                <a:cs typeface="Calibri"/>
-                <a:sym typeface="Calibri"/>
-              </a:rPr>
-              <a:t>AXI4-Lite</a:t>
-            </a:r>
-            <a:endParaRPr b="0" i="0" sz="1400" u="none" cap="none" strike="noStrike">
-              <a:solidFill>
-                <a:srgbClr val="000000"/>
-              </a:solidFill>
-              <a:latin typeface="Arial"/>
-              <a:ea typeface="Arial"/>
-              <a:cs typeface="Arial"/>
-              <a:sym typeface="Arial"/>
-            </a:endParaRPr>
-          </a:p>
-          <a:p>
-            <a:pPr indent="0" lvl="0" marL="0" marR="0" rtl="0" algn="ctr">
-              <a:lnSpc>
-                <a:spcPct val="100000"/>
-              </a:lnSpc>
-              <a:spcBef>
-                <a:spcPts val="300"/>
-              </a:spcBef>
-              <a:spcAft>
-                <a:spcPts val="0"/>
-              </a:spcAft>
-              <a:buClr>
-                <a:srgbClr val="000000"/>
-              </a:buClr>
-              <a:buSzPts val="1200"/>
-              <a:buFont typeface="Arial"/>
-              <a:buNone/>
-            </a:pPr>
-            <a:r>
-              <a:rPr b="0" i="0" lang="en-US" sz="1200" u="none" cap="none" strike="noStrike">
-                <a:solidFill>
-                  <a:schemeClr val="dk1"/>
-                </a:solidFill>
-                <a:latin typeface="Calibri"/>
-                <a:ea typeface="Calibri"/>
-                <a:cs typeface="Calibri"/>
-                <a:sym typeface="Calibri"/>
-              </a:rPr>
-              <a:t>32b </a:t>
-            </a:r>
-            <a:endParaRPr b="0" i="0" sz="1400" u="none" cap="none" strike="noStrike">
-              <a:solidFill>
-                <a:srgbClr val="000000"/>
-              </a:solidFill>
-              <a:latin typeface="Arial"/>
-              <a:ea typeface="Arial"/>
-              <a:cs typeface="Arial"/>
-              <a:sym typeface="Arial"/>
-            </a:endParaRPr>
-          </a:p>
-        </p:txBody>
-      </p:sp>
-      <p:sp>
-        <p:nvSpPr>
-          <p:cNvPr id="194" name="Google Shape;194;p13"/>
+          <p:cNvPr id="188" name="Google Shape;188;p13"/>
           <p:cNvSpPr/>
           <p:nvPr/>
         </p:nvSpPr>
@@ -21535,7 +21182,7 @@
       </p:sp>
       <p:cxnSp>
         <p:nvCxnSpPr>
-          <p:cNvPr id="195" name="Google Shape;195;p13"/>
+          <p:cNvPr id="189" name="Google Shape;189;p13"/>
           <p:cNvCxnSpPr/>
           <p:nvPr/>
         </p:nvCxnSpPr>
@@ -21561,7 +21208,7 @@
       </p:cxnSp>
       <p:sp>
         <p:nvSpPr>
-          <p:cNvPr id="196" name="Google Shape;196;p13"/>
+          <p:cNvPr id="190" name="Google Shape;190;p13"/>
           <p:cNvSpPr/>
           <p:nvPr/>
         </p:nvSpPr>
@@ -21633,7 +21280,7 @@
       </p:sp>
       <p:cxnSp>
         <p:nvCxnSpPr>
-          <p:cNvPr id="197" name="Google Shape;197;p13"/>
+          <p:cNvPr id="191" name="Google Shape;191;p13"/>
           <p:cNvCxnSpPr/>
           <p:nvPr/>
         </p:nvCxnSpPr>
@@ -21659,13 +21306,13 @@
       </p:cxnSp>
       <p:sp>
         <p:nvSpPr>
-          <p:cNvPr id="198" name="Google Shape;198;p13"/>
+          <p:cNvPr id="192" name="Google Shape;192;p13"/>
           <p:cNvSpPr/>
           <p:nvPr/>
         </p:nvSpPr>
         <p:spPr>
           <a:xfrm>
-            <a:off x="2086525" y="4242900"/>
+            <a:off x="1400725" y="4242900"/>
             <a:ext cx="811800" cy="365700"/>
           </a:xfrm>
           <a:prstGeom prst="roundRect">
@@ -21731,14 +21378,72 @@
       </p:sp>
       <p:cxnSp>
         <p:nvCxnSpPr>
-          <p:cNvPr id="199" name="Google Shape;199;p13"/>
-          <p:cNvCxnSpPr/>
+          <p:cNvPr id="193" name="Google Shape;193;p13"/>
+          <p:cNvCxnSpPr>
+            <a:stCxn id="192" idx="3"/>
+          </p:cNvCxnSpPr>
           <p:nvPr/>
         </p:nvCxnSpPr>
         <p:spPr>
           <a:xfrm>
-            <a:off x="2903651" y="4425758"/>
-            <a:ext cx="659400" cy="0"/>
+            <a:off x="2212525" y="4425750"/>
+            <a:ext cx="1350600" cy="0"/>
+          </a:xfrm>
+          <a:prstGeom prst="straightConnector1">
+            <a:avLst/>
+          </a:prstGeom>
+          <a:noFill/>
+          <a:ln cap="flat" cmpd="sng" w="28575">
+            <a:solidFill>
+              <a:schemeClr val="dk1"/>
+            </a:solidFill>
+            <a:prstDash val="solid"/>
+            <a:round/>
+            <a:headEnd len="sm" w="sm" type="none"/>
+            <a:tailEnd len="sm" w="sm" type="none"/>
+          </a:ln>
+        </p:spPr>
+      </p:cxnSp>
+      <p:cxnSp>
+        <p:nvCxnSpPr>
+          <p:cNvPr id="194" name="Google Shape;194;p13"/>
+          <p:cNvCxnSpPr>
+            <a:stCxn id="195" idx="3"/>
+          </p:cNvCxnSpPr>
+          <p:nvPr/>
+        </p:nvCxnSpPr>
+        <p:spPr>
+          <a:xfrm>
+            <a:off x="2190025" y="4948000"/>
+            <a:ext cx="1373100" cy="6600"/>
+          </a:xfrm>
+          <a:prstGeom prst="straightConnector1">
+            <a:avLst/>
+          </a:prstGeom>
+          <a:noFill/>
+          <a:ln cap="flat" cmpd="sng" w="28575">
+            <a:solidFill>
+              <a:schemeClr val="dk1"/>
+            </a:solidFill>
+            <a:prstDash val="solid"/>
+            <a:round/>
+            <a:headEnd len="sm" w="sm" type="none"/>
+            <a:tailEnd len="sm" w="sm" type="none"/>
+          </a:ln>
+        </p:spPr>
+      </p:cxnSp>
+      <p:cxnSp>
+        <p:nvCxnSpPr>
+          <p:cNvPr id="196" name="Google Shape;196;p13"/>
+          <p:cNvCxnSpPr>
+            <a:stCxn id="197" idx="3"/>
+          </p:cNvCxnSpPr>
+          <p:nvPr/>
+        </p:nvCxnSpPr>
+        <p:spPr>
+          <a:xfrm>
+            <a:off x="2190025" y="5265700"/>
+            <a:ext cx="1373100" cy="0"/>
           </a:xfrm>
           <a:prstGeom prst="straightConnector1">
             <a:avLst/>
@@ -21757,163 +21462,13 @@
       </p:cxnSp>
       <p:sp>
         <p:nvSpPr>
-          <p:cNvPr id="200" name="Google Shape;200;p13"/>
+          <p:cNvPr id="195" name="Google Shape;195;p13"/>
           <p:cNvSpPr/>
           <p:nvPr/>
         </p:nvSpPr>
         <p:spPr>
           <a:xfrm>
-            <a:off x="2086525" y="4924000"/>
-            <a:ext cx="811800" cy="365700"/>
-          </a:xfrm>
-          <a:prstGeom prst="roundRect">
-            <a:avLst>
-              <a:gd fmla="val 5667" name="adj"/>
-            </a:avLst>
-          </a:prstGeom>
-          <a:solidFill>
-            <a:srgbClr val="E5DFEC"/>
-          </a:solidFill>
-          <a:ln cap="flat" cmpd="sng" w="25400">
-            <a:solidFill>
-              <a:schemeClr val="dk1"/>
-            </a:solidFill>
-            <a:prstDash val="solid"/>
-            <a:round/>
-            <a:headEnd len="sm" w="sm" type="none"/>
-            <a:tailEnd len="sm" w="sm" type="none"/>
-          </a:ln>
-        </p:spPr>
-        <p:txBody>
-          <a:bodyPr anchorCtr="0" anchor="ctr" bIns="45700" lIns="0" spcFirstLastPara="1" rIns="0" wrap="square" tIns="45700">
-            <a:noAutofit/>
-          </a:bodyPr>
-          <a:lstStyle/>
-          <a:p>
-            <a:pPr indent="0" lvl="0" marL="0" marR="0" rtl="0" algn="ctr">
-              <a:lnSpc>
-                <a:spcPct val="100000"/>
-              </a:lnSpc>
-              <a:spcBef>
-                <a:spcPts val="0"/>
-              </a:spcBef>
-              <a:spcAft>
-                <a:spcPts val="0"/>
-              </a:spcAft>
-              <a:buClr>
-                <a:srgbClr val="000000"/>
-              </a:buClr>
-              <a:buSzPts val="1400"/>
-              <a:buFont typeface="Arial"/>
-              <a:buNone/>
-            </a:pPr>
-            <a:r>
-              <a:rPr lang="en-US">
-                <a:solidFill>
-                  <a:srgbClr val="222222"/>
-                </a:solidFill>
-              </a:rPr>
-              <a:t>PMOD1</a:t>
-            </a:r>
-            <a:endParaRPr b="0" i="0" sz="1400" u="none" cap="none" strike="noStrike">
-              <a:solidFill>
-                <a:srgbClr val="222222"/>
-              </a:solidFill>
-              <a:latin typeface="Arial"/>
-              <a:ea typeface="Arial"/>
-              <a:cs typeface="Arial"/>
-              <a:sym typeface="Arial"/>
-            </a:endParaRPr>
-          </a:p>
-        </p:txBody>
-      </p:sp>
-      <p:cxnSp>
-        <p:nvCxnSpPr>
-          <p:cNvPr id="201" name="Google Shape;201;p13"/>
-          <p:cNvCxnSpPr/>
-          <p:nvPr/>
-        </p:nvCxnSpPr>
-        <p:spPr>
-          <a:xfrm>
-            <a:off x="2903651" y="5106858"/>
-            <a:ext cx="659400" cy="0"/>
-          </a:xfrm>
-          <a:prstGeom prst="straightConnector1">
-            <a:avLst/>
-          </a:prstGeom>
-          <a:noFill/>
-          <a:ln cap="flat" cmpd="sng" w="28575">
-            <a:solidFill>
-              <a:schemeClr val="dk1"/>
-            </a:solidFill>
-            <a:prstDash val="solid"/>
-            <a:round/>
-            <a:headEnd len="sm" w="sm" type="none"/>
-            <a:tailEnd len="sm" w="sm" type="none"/>
-          </a:ln>
-        </p:spPr>
-      </p:cxnSp>
-      <p:cxnSp>
-        <p:nvCxnSpPr>
-          <p:cNvPr id="202" name="Google Shape;202;p13"/>
-          <p:cNvCxnSpPr/>
-          <p:nvPr/>
-        </p:nvCxnSpPr>
-        <p:spPr>
-          <a:xfrm>
-            <a:off x="8911601" y="5453333"/>
-            <a:ext cx="659400" cy="0"/>
-          </a:xfrm>
-          <a:prstGeom prst="straightConnector1">
-            <a:avLst/>
-          </a:prstGeom>
-          <a:noFill/>
-          <a:ln cap="flat" cmpd="sng" w="28575">
-            <a:solidFill>
-              <a:schemeClr val="dk1"/>
-            </a:solidFill>
-            <a:prstDash val="solid"/>
-            <a:round/>
-            <a:headEnd len="sm" w="sm" type="none"/>
-            <a:tailEnd len="sm" w="sm" type="none"/>
-          </a:ln>
-        </p:spPr>
-      </p:cxnSp>
-      <p:cxnSp>
-        <p:nvCxnSpPr>
-          <p:cNvPr id="203" name="Google Shape;203;p13"/>
-          <p:cNvCxnSpPr/>
-          <p:nvPr/>
-        </p:nvCxnSpPr>
-        <p:spPr>
-          <a:xfrm>
-            <a:off x="8911601" y="5673958"/>
-            <a:ext cx="659400" cy="0"/>
-          </a:xfrm>
-          <a:prstGeom prst="straightConnector1">
-            <a:avLst/>
-          </a:prstGeom>
-          <a:noFill/>
-          <a:ln cap="flat" cmpd="sng" w="28575">
-            <a:solidFill>
-              <a:schemeClr val="dk1"/>
-            </a:solidFill>
-            <a:prstDash val="solid"/>
-            <a:round/>
-            <a:headEnd len="sm" w="sm" type="none"/>
-            <a:tailEnd len="sm" w="sm" type="none"/>
-          </a:ln>
-        </p:spPr>
-      </p:cxnSp>
-      <p:sp>
-        <p:nvSpPr>
-          <p:cNvPr id="204" name="Google Shape;204;p13"/>
-          <p:cNvSpPr/>
-          <p:nvPr/>
-        </p:nvSpPr>
-        <p:spPr>
-          <a:xfrm>
-            <a:off x="9582400" y="5289700"/>
+            <a:off x="1378225" y="4827250"/>
             <a:ext cx="811800" cy="241500"/>
           </a:xfrm>
           <a:prstGeom prst="roundRect">
@@ -21963,7 +21518,7 @@
                   <a:srgbClr val="222222"/>
                 </a:solidFill>
               </a:rPr>
-              <a:t>PMOD0</a:t>
+              <a:t>PMOD0/1</a:t>
             </a:r>
             <a:endParaRPr b="0" i="0" sz="1400" u="none" cap="none" strike="noStrike">
               <a:solidFill>
@@ -21979,13 +21534,13 @@
       </p:sp>
       <p:sp>
         <p:nvSpPr>
-          <p:cNvPr id="205" name="Google Shape;205;p13"/>
+          <p:cNvPr id="197" name="Google Shape;197;p13"/>
           <p:cNvSpPr/>
           <p:nvPr/>
         </p:nvSpPr>
         <p:spPr>
           <a:xfrm>
-            <a:off x="9582400" y="5607400"/>
+            <a:off x="1378225" y="5144950"/>
             <a:ext cx="811800" cy="241500"/>
           </a:xfrm>
           <a:prstGeom prst="roundRect">
@@ -22051,13 +21606,13 @@
       </p:sp>
       <p:sp>
         <p:nvSpPr>
-          <p:cNvPr id="206" name="Google Shape;206;p13"/>
+          <p:cNvPr id="198" name="Google Shape;198;p13"/>
           <p:cNvSpPr txBox="1"/>
           <p:nvPr/>
         </p:nvSpPr>
         <p:spPr>
           <a:xfrm>
-            <a:off x="8623450" y="5188688"/>
+            <a:off x="2787400" y="4684788"/>
             <a:ext cx="930900" cy="241500"/>
           </a:xfrm>
           <a:prstGeom prst="rect">
@@ -22117,13 +21672,13 @@
       </p:sp>
       <p:sp>
         <p:nvSpPr>
-          <p:cNvPr id="207" name="Google Shape;207;p13"/>
+          <p:cNvPr id="199" name="Google Shape;199;p13"/>
           <p:cNvSpPr txBox="1"/>
           <p:nvPr/>
         </p:nvSpPr>
         <p:spPr>
           <a:xfrm>
-            <a:off x="8623450" y="5388738"/>
+            <a:off x="2787400" y="4989313"/>
             <a:ext cx="930900" cy="241500"/>
           </a:xfrm>
           <a:prstGeom prst="rect">
@@ -22190,6 +21745,285 @@
 </file>
 
 <file path=ppt/theme/theme1.xml><?xml version="1.0" encoding="utf-8"?>
+<a:theme xmlns:a="http://schemas.openxmlformats.org/drawingml/2006/main" xmlns:r="http://schemas.openxmlformats.org/officeDocument/2006/relationships" name="Office Theme">
+  <a:themeElements>
+    <a:clrScheme name="Office">
+      <a:dk1>
+        <a:srgbClr val="000000"/>
+      </a:dk1>
+      <a:lt1>
+        <a:srgbClr val="FFFFFF"/>
+      </a:lt1>
+      <a:dk2>
+        <a:srgbClr val="44546A"/>
+      </a:dk2>
+      <a:lt2>
+        <a:srgbClr val="E7E6E6"/>
+      </a:lt2>
+      <a:accent1>
+        <a:srgbClr val="4472C4"/>
+      </a:accent1>
+      <a:accent2>
+        <a:srgbClr val="ED7D31"/>
+      </a:accent2>
+      <a:accent3>
+        <a:srgbClr val="A5A5A5"/>
+      </a:accent3>
+      <a:accent4>
+        <a:srgbClr val="FFC000"/>
+      </a:accent4>
+      <a:accent5>
+        <a:srgbClr val="5B9BD5"/>
+      </a:accent5>
+      <a:accent6>
+        <a:srgbClr val="70AD47"/>
+      </a:accent6>
+      <a:hlink>
+        <a:srgbClr val="0563C1"/>
+      </a:hlink>
+      <a:folHlink>
+        <a:srgbClr val="954F72"/>
+      </a:folHlink>
+    </a:clrScheme>
+    <a:fontScheme name="Office">
+      <a:majorFont>
+        <a:latin typeface="Arial"/>
+        <a:ea typeface=""/>
+        <a:cs typeface=""/>
+        <a:font script="Jpan" typeface="ＭＳ Ｐゴシック"/>
+        <a:font script="Hang" typeface="맑은 고딕"/>
+        <a:font script="Hans" typeface="宋体"/>
+        <a:font script="Hant" typeface="新細明體"/>
+        <a:font script="Arab" typeface="Times New Roman"/>
+        <a:font script="Hebr" typeface="Times New Roman"/>
+        <a:font script="Thai" typeface="Angsana New"/>
+        <a:font script="Ethi" typeface="Nyala"/>
+        <a:font script="Beng" typeface="Vrinda"/>
+        <a:font script="Gujr" typeface="Shruti"/>
+        <a:font script="Khmr" typeface="MoolBoran"/>
+        <a:font script="Knda" typeface="Tunga"/>
+        <a:font script="Guru" typeface="Raavi"/>
+        <a:font script="Cans" typeface="Euphemia"/>
+        <a:font script="Cher" typeface="Plantagenet Cherokee"/>
+        <a:font script="Yiii" typeface="Microsoft Yi Baiti"/>
+        <a:font script="Tibt" typeface="Microsoft Himalaya"/>
+        <a:font script="Thaa" typeface="MV Boli"/>
+        <a:font script="Deva" typeface="Mangal"/>
+        <a:font script="Telu" typeface="Gautami"/>
+        <a:font script="Taml" typeface="Latha"/>
+        <a:font script="Syrc" typeface="Estrangelo Edessa"/>
+        <a:font script="Orya" typeface="Kalinga"/>
+        <a:font script="Mlym" typeface="Kartika"/>
+        <a:font script="Laoo" typeface="DokChampa"/>
+        <a:font script="Sinh" typeface="Iskoola Pota"/>
+        <a:font script="Mong" typeface="Mongolian Baiti"/>
+        <a:font script="Viet" typeface="Times New Roman"/>
+        <a:font script="Uigh" typeface="Microsoft Uighur"/>
+        <a:font script="Geor" typeface="Sylfaen"/>
+      </a:majorFont>
+      <a:minorFont>
+        <a:latin typeface="Arial"/>
+        <a:ea typeface=""/>
+        <a:cs typeface=""/>
+        <a:font script="Jpan" typeface="ＭＳ Ｐゴシック"/>
+        <a:font script="Hang" typeface="맑은 고딕"/>
+        <a:font script="Hans" typeface="宋体"/>
+        <a:font script="Hant" typeface="新細明體"/>
+        <a:font script="Arab" typeface="Arial"/>
+        <a:font script="Hebr" typeface="Arial"/>
+        <a:font script="Thai" typeface="Cordia New"/>
+        <a:font script="Ethi" typeface="Nyala"/>
+        <a:font script="Beng" typeface="Vrinda"/>
+        <a:font script="Gujr" typeface="Shruti"/>
+        <a:font script="Khmr" typeface="DaunPenh"/>
+        <a:font script="Knda" typeface="Tunga"/>
+        <a:font script="Guru" typeface="Raavi"/>
+        <a:font script="Cans" typeface="Euphemia"/>
+        <a:font script="Cher" typeface="Plantagenet Cherokee"/>
+        <a:font script="Yiii" typeface="Microsoft Yi Baiti"/>
+        <a:font script="Tibt" typeface="Microsoft Himalaya"/>
+        <a:font script="Thaa" typeface="MV Boli"/>
+        <a:font script="Deva" typeface="Mangal"/>
+        <a:font script="Telu" typeface="Gautami"/>
+        <a:font script="Taml" typeface="Latha"/>
+        <a:font script="Syrc" typeface="Estrangelo Edessa"/>
+        <a:font script="Orya" typeface="Kalinga"/>
+        <a:font script="Mlym" typeface="Kartika"/>
+        <a:font script="Laoo" typeface="DokChampa"/>
+        <a:font script="Sinh" typeface="Iskoola Pota"/>
+        <a:font script="Mong" typeface="Mongolian Baiti"/>
+        <a:font script="Viet" typeface="Arial"/>
+        <a:font script="Uigh" typeface="Microsoft Uighur"/>
+        <a:font script="Geor" typeface="Sylfaen"/>
+      </a:minorFont>
+    </a:fontScheme>
+    <a:fmtScheme name="Office">
+      <a:fillStyleLst>
+        <a:solidFill>
+          <a:schemeClr val="phClr"/>
+        </a:solidFill>
+        <a:gradFill rotWithShape="1">
+          <a:gsLst>
+            <a:gs pos="0">
+              <a:schemeClr val="phClr">
+                <a:tint val="50000"/>
+                <a:satMod val="300000"/>
+              </a:schemeClr>
+            </a:gs>
+            <a:gs pos="35000">
+              <a:schemeClr val="phClr">
+                <a:tint val="37000"/>
+                <a:satMod val="300000"/>
+              </a:schemeClr>
+            </a:gs>
+            <a:gs pos="100000">
+              <a:schemeClr val="phClr">
+                <a:tint val="15000"/>
+                <a:satMod val="350000"/>
+              </a:schemeClr>
+            </a:gs>
+          </a:gsLst>
+          <a:lin ang="16200000" scaled="1"/>
+        </a:gradFill>
+        <a:gradFill rotWithShape="1">
+          <a:gsLst>
+            <a:gs pos="0">
+              <a:schemeClr val="phClr">
+                <a:tint val="100000"/>
+                <a:shade val="100000"/>
+                <a:satMod val="130000"/>
+              </a:schemeClr>
+            </a:gs>
+            <a:gs pos="100000">
+              <a:schemeClr val="phClr">
+                <a:tint val="50000"/>
+                <a:shade val="100000"/>
+                <a:satMod val="350000"/>
+              </a:schemeClr>
+            </a:gs>
+          </a:gsLst>
+          <a:lin ang="16200000" scaled="0"/>
+        </a:gradFill>
+      </a:fillStyleLst>
+      <a:lnStyleLst>
+        <a:ln w="9525" cap="flat" cmpd="sng" algn="ctr">
+          <a:solidFill>
+            <a:schemeClr val="phClr">
+              <a:shade val="95000"/>
+              <a:satMod val="105000"/>
+            </a:schemeClr>
+          </a:solidFill>
+          <a:prstDash val="solid"/>
+        </a:ln>
+        <a:ln w="25400" cap="flat" cmpd="sng" algn="ctr">
+          <a:solidFill>
+            <a:schemeClr val="phClr"/>
+          </a:solidFill>
+          <a:prstDash val="solid"/>
+        </a:ln>
+        <a:ln w="38100" cap="flat" cmpd="sng" algn="ctr">
+          <a:solidFill>
+            <a:schemeClr val="phClr"/>
+          </a:solidFill>
+          <a:prstDash val="solid"/>
+        </a:ln>
+      </a:lnStyleLst>
+      <a:effectStyleLst>
+        <a:effectStyle>
+          <a:effectLst>
+            <a:outerShdw blurRad="40000" dist="20000" dir="5400000" rotWithShape="0">
+              <a:srgbClr val="000000">
+                <a:alpha val="38000"/>
+              </a:srgbClr>
+            </a:outerShdw>
+          </a:effectLst>
+        </a:effectStyle>
+        <a:effectStyle>
+          <a:effectLst>
+            <a:outerShdw blurRad="40000" dist="23000" dir="5400000" rotWithShape="0">
+              <a:srgbClr val="000000">
+                <a:alpha val="35000"/>
+              </a:srgbClr>
+            </a:outerShdw>
+          </a:effectLst>
+        </a:effectStyle>
+        <a:effectStyle>
+          <a:effectLst>
+            <a:outerShdw blurRad="40000" dist="23000" dir="5400000" rotWithShape="0">
+              <a:srgbClr val="000000">
+                <a:alpha val="35000"/>
+              </a:srgbClr>
+            </a:outerShdw>
+          </a:effectLst>
+          <a:scene3d>
+            <a:camera prst="orthographicFront">
+              <a:rot lat="0" lon="0" rev="0"/>
+            </a:camera>
+            <a:lightRig rig="threePt" dir="t">
+              <a:rot lat="0" lon="0" rev="1200000"/>
+            </a:lightRig>
+          </a:scene3d>
+          <a:sp3d>
+            <a:bevelT w="63500" h="25400"/>
+          </a:sp3d>
+        </a:effectStyle>
+      </a:effectStyleLst>
+      <a:bgFillStyleLst>
+        <a:solidFill>
+          <a:schemeClr val="phClr"/>
+        </a:solidFill>
+        <a:gradFill rotWithShape="1">
+          <a:gsLst>
+            <a:gs pos="0">
+              <a:schemeClr val="phClr">
+                <a:tint val="40000"/>
+                <a:satMod val="350000"/>
+              </a:schemeClr>
+            </a:gs>
+            <a:gs pos="40000">
+              <a:schemeClr val="phClr">
+                <a:tint val="45000"/>
+                <a:shade val="99000"/>
+                <a:satMod val="350000"/>
+              </a:schemeClr>
+            </a:gs>
+            <a:gs pos="100000">
+              <a:schemeClr val="phClr">
+                <a:shade val="20000"/>
+                <a:satMod val="255000"/>
+              </a:schemeClr>
+            </a:gs>
+          </a:gsLst>
+          <a:path path="circle">
+            <a:fillToRect l="50000" t="-80000" r="50000" b="180000"/>
+          </a:path>
+        </a:gradFill>
+        <a:gradFill rotWithShape="1">
+          <a:gsLst>
+            <a:gs pos="0">
+              <a:schemeClr val="phClr">
+                <a:tint val="80000"/>
+                <a:satMod val="300000"/>
+              </a:schemeClr>
+            </a:gs>
+            <a:gs pos="100000">
+              <a:schemeClr val="phClr">
+                <a:shade val="30000"/>
+                <a:satMod val="200000"/>
+              </a:schemeClr>
+            </a:gs>
+          </a:gsLst>
+          <a:path path="circle">
+            <a:fillToRect l="50000" t="50000" r="50000" b="50000"/>
+          </a:path>
+        </a:gradFill>
+      </a:bgFillStyleLst>
+    </a:fmtScheme>
+  </a:themeElements>
+</a:theme>
+</file>
+
+<file path=ppt/theme/theme2.xml><?xml version="1.0" encoding="utf-8"?>
 <a:theme xmlns:a="http://schemas.openxmlformats.org/drawingml/2006/main" xmlns:r="http://schemas.openxmlformats.org/officeDocument/2006/relationships" name="3_Office Theme">
   <a:themeElements>
     <a:clrScheme name="Office">
@@ -22466,283 +22300,4 @@
     </a:fmtScheme>
   </a:themeElements>
 </a:theme>
-</file>
-
-<file path=ppt/theme/theme2.xml><?xml version="1.0" encoding="utf-8"?>
-<a:theme xmlns:a="http://schemas.openxmlformats.org/drawingml/2006/main" xmlns:r="http://schemas.openxmlformats.org/officeDocument/2006/relationships" name="Office Theme">
-  <a:themeElements>
-    <a:clrScheme name="Office">
-      <a:dk1>
-        <a:srgbClr val="000000"/>
-      </a:dk1>
-      <a:lt1>
-        <a:srgbClr val="FFFFFF"/>
-      </a:lt1>
-      <a:dk2>
-        <a:srgbClr val="44546A"/>
-      </a:dk2>
-      <a:lt2>
-        <a:srgbClr val="E7E6E6"/>
-      </a:lt2>
-      <a:accent1>
-        <a:srgbClr val="4472C4"/>
-      </a:accent1>
-      <a:accent2>
-        <a:srgbClr val="ED7D31"/>
-      </a:accent2>
-      <a:accent3>
-        <a:srgbClr val="A5A5A5"/>
-      </a:accent3>
-      <a:accent4>
-        <a:srgbClr val="FFC000"/>
-      </a:accent4>
-      <a:accent5>
-        <a:srgbClr val="5B9BD5"/>
-      </a:accent5>
-      <a:accent6>
-        <a:srgbClr val="70AD47"/>
-      </a:accent6>
-      <a:hlink>
-        <a:srgbClr val="0563C1"/>
-      </a:hlink>
-      <a:folHlink>
-        <a:srgbClr val="954F72"/>
-      </a:folHlink>
-    </a:clrScheme>
-    <a:fontScheme name="Office">
-      <a:majorFont>
-        <a:latin typeface="Arial"/>
-        <a:ea typeface=""/>
-        <a:cs typeface=""/>
-        <a:font script="Jpan" typeface="ＭＳ Ｐゴシック"/>
-        <a:font script="Hang" typeface="맑은 고딕"/>
-        <a:font script="Hans" typeface="宋体"/>
-        <a:font script="Hant" typeface="新細明體"/>
-        <a:font script="Arab" typeface="Times New Roman"/>
-        <a:font script="Hebr" typeface="Times New Roman"/>
-        <a:font script="Thai" typeface="Angsana New"/>
-        <a:font script="Ethi" typeface="Nyala"/>
-        <a:font script="Beng" typeface="Vrinda"/>
-        <a:font script="Gujr" typeface="Shruti"/>
-        <a:font script="Khmr" typeface="MoolBoran"/>
-        <a:font script="Knda" typeface="Tunga"/>
-        <a:font script="Guru" typeface="Raavi"/>
-        <a:font script="Cans" typeface="Euphemia"/>
-        <a:font script="Cher" typeface="Plantagenet Cherokee"/>
-        <a:font script="Yiii" typeface="Microsoft Yi Baiti"/>
-        <a:font script="Tibt" typeface="Microsoft Himalaya"/>
-        <a:font script="Thaa" typeface="MV Boli"/>
-        <a:font script="Deva" typeface="Mangal"/>
-        <a:font script="Telu" typeface="Gautami"/>
-        <a:font script="Taml" typeface="Latha"/>
-        <a:font script="Syrc" typeface="Estrangelo Edessa"/>
-        <a:font script="Orya" typeface="Kalinga"/>
-        <a:font script="Mlym" typeface="Kartika"/>
-        <a:font script="Laoo" typeface="DokChampa"/>
-        <a:font script="Sinh" typeface="Iskoola Pota"/>
-        <a:font script="Mong" typeface="Mongolian Baiti"/>
-        <a:font script="Viet" typeface="Times New Roman"/>
-        <a:font script="Uigh" typeface="Microsoft Uighur"/>
-        <a:font script="Geor" typeface="Sylfaen"/>
-      </a:majorFont>
-      <a:minorFont>
-        <a:latin typeface="Arial"/>
-        <a:ea typeface=""/>
-        <a:cs typeface=""/>
-        <a:font script="Jpan" typeface="ＭＳ Ｐゴシック"/>
-        <a:font script="Hang" typeface="맑은 고딕"/>
-        <a:font script="Hans" typeface="宋体"/>
-        <a:font script="Hant" typeface="新細明體"/>
-        <a:font script="Arab" typeface="Arial"/>
-        <a:font script="Hebr" typeface="Arial"/>
-        <a:font script="Thai" typeface="Cordia New"/>
-        <a:font script="Ethi" typeface="Nyala"/>
-        <a:font script="Beng" typeface="Vrinda"/>
-        <a:font script="Gujr" typeface="Shruti"/>
-        <a:font script="Khmr" typeface="DaunPenh"/>
-        <a:font script="Knda" typeface="Tunga"/>
-        <a:font script="Guru" typeface="Raavi"/>
-        <a:font script="Cans" typeface="Euphemia"/>
-        <a:font script="Cher" typeface="Plantagenet Cherokee"/>
-        <a:font script="Yiii" typeface="Microsoft Yi Baiti"/>
-        <a:font script="Tibt" typeface="Microsoft Himalaya"/>
-        <a:font script="Thaa" typeface="MV Boli"/>
-        <a:font script="Deva" typeface="Mangal"/>
-        <a:font script="Telu" typeface="Gautami"/>
-        <a:font script="Taml" typeface="Latha"/>
-        <a:font script="Syrc" typeface="Estrangelo Edessa"/>
-        <a:font script="Orya" typeface="Kalinga"/>
-        <a:font script="Mlym" typeface="Kartika"/>
-        <a:font script="Laoo" typeface="DokChampa"/>
-        <a:font script="Sinh" typeface="Iskoola Pota"/>
-        <a:font script="Mong" typeface="Mongolian Baiti"/>
-        <a:font script="Viet" typeface="Arial"/>
-        <a:font script="Uigh" typeface="Microsoft Uighur"/>
-        <a:font script="Geor" typeface="Sylfaen"/>
-      </a:minorFont>
-    </a:fontScheme>
-    <a:fmtScheme name="Office">
-      <a:fillStyleLst>
-        <a:solidFill>
-          <a:schemeClr val="phClr"/>
-        </a:solidFill>
-        <a:gradFill rotWithShape="1">
-          <a:gsLst>
-            <a:gs pos="0">
-              <a:schemeClr val="phClr">
-                <a:tint val="50000"/>
-                <a:satMod val="300000"/>
-              </a:schemeClr>
-            </a:gs>
-            <a:gs pos="35000">
-              <a:schemeClr val="phClr">
-                <a:tint val="37000"/>
-                <a:satMod val="300000"/>
-              </a:schemeClr>
-            </a:gs>
-            <a:gs pos="100000">
-              <a:schemeClr val="phClr">
-                <a:tint val="15000"/>
-                <a:satMod val="350000"/>
-              </a:schemeClr>
-            </a:gs>
-          </a:gsLst>
-          <a:lin ang="16200000" scaled="1"/>
-        </a:gradFill>
-        <a:gradFill rotWithShape="1">
-          <a:gsLst>
-            <a:gs pos="0">
-              <a:schemeClr val="phClr">
-                <a:tint val="100000"/>
-                <a:shade val="100000"/>
-                <a:satMod val="130000"/>
-              </a:schemeClr>
-            </a:gs>
-            <a:gs pos="100000">
-              <a:schemeClr val="phClr">
-                <a:tint val="50000"/>
-                <a:shade val="100000"/>
-                <a:satMod val="350000"/>
-              </a:schemeClr>
-            </a:gs>
-          </a:gsLst>
-          <a:lin ang="16200000" scaled="0"/>
-        </a:gradFill>
-      </a:fillStyleLst>
-      <a:lnStyleLst>
-        <a:ln w="9525" cap="flat" cmpd="sng" algn="ctr">
-          <a:solidFill>
-            <a:schemeClr val="phClr">
-              <a:shade val="95000"/>
-              <a:satMod val="105000"/>
-            </a:schemeClr>
-          </a:solidFill>
-          <a:prstDash val="solid"/>
-        </a:ln>
-        <a:ln w="25400" cap="flat" cmpd="sng" algn="ctr">
-          <a:solidFill>
-            <a:schemeClr val="phClr"/>
-          </a:solidFill>
-          <a:prstDash val="solid"/>
-        </a:ln>
-        <a:ln w="38100" cap="flat" cmpd="sng" algn="ctr">
-          <a:solidFill>
-            <a:schemeClr val="phClr"/>
-          </a:solidFill>
-          <a:prstDash val="solid"/>
-        </a:ln>
-      </a:lnStyleLst>
-      <a:effectStyleLst>
-        <a:effectStyle>
-          <a:effectLst>
-            <a:outerShdw blurRad="40000" dist="20000" dir="5400000" rotWithShape="0">
-              <a:srgbClr val="000000">
-                <a:alpha val="38000"/>
-              </a:srgbClr>
-            </a:outerShdw>
-          </a:effectLst>
-        </a:effectStyle>
-        <a:effectStyle>
-          <a:effectLst>
-            <a:outerShdw blurRad="40000" dist="23000" dir="5400000" rotWithShape="0">
-              <a:srgbClr val="000000">
-                <a:alpha val="35000"/>
-              </a:srgbClr>
-            </a:outerShdw>
-          </a:effectLst>
-        </a:effectStyle>
-        <a:effectStyle>
-          <a:effectLst>
-            <a:outerShdw blurRad="40000" dist="23000" dir="5400000" rotWithShape="0">
-              <a:srgbClr val="000000">
-                <a:alpha val="35000"/>
-              </a:srgbClr>
-            </a:outerShdw>
-          </a:effectLst>
-          <a:scene3d>
-            <a:camera prst="orthographicFront">
-              <a:rot lat="0" lon="0" rev="0"/>
-            </a:camera>
-            <a:lightRig rig="threePt" dir="t">
-              <a:rot lat="0" lon="0" rev="1200000"/>
-            </a:lightRig>
-          </a:scene3d>
-          <a:sp3d>
-            <a:bevelT w="63500" h="25400"/>
-          </a:sp3d>
-        </a:effectStyle>
-      </a:effectStyleLst>
-      <a:bgFillStyleLst>
-        <a:solidFill>
-          <a:schemeClr val="phClr"/>
-        </a:solidFill>
-        <a:gradFill rotWithShape="1">
-          <a:gsLst>
-            <a:gs pos="0">
-              <a:schemeClr val="phClr">
-                <a:tint val="40000"/>
-                <a:satMod val="350000"/>
-              </a:schemeClr>
-            </a:gs>
-            <a:gs pos="40000">
-              <a:schemeClr val="phClr">
-                <a:tint val="45000"/>
-                <a:shade val="99000"/>
-                <a:satMod val="350000"/>
-              </a:schemeClr>
-            </a:gs>
-            <a:gs pos="100000">
-              <a:schemeClr val="phClr">
-                <a:shade val="20000"/>
-                <a:satMod val="255000"/>
-              </a:schemeClr>
-            </a:gs>
-          </a:gsLst>
-          <a:path path="circle">
-            <a:fillToRect l="50000" t="-80000" r="50000" b="180000"/>
-          </a:path>
-        </a:gradFill>
-        <a:gradFill rotWithShape="1">
-          <a:gsLst>
-            <a:gs pos="0">
-              <a:schemeClr val="phClr">
-                <a:tint val="80000"/>
-                <a:satMod val="300000"/>
-              </a:schemeClr>
-            </a:gs>
-            <a:gs pos="100000">
-              <a:schemeClr val="phClr">
-                <a:shade val="30000"/>
-                <a:satMod val="200000"/>
-              </a:schemeClr>
-            </a:gs>
-          </a:gsLst>
-          <a:path path="circle">
-            <a:fillToRect l="50000" t="50000" r="50000" b="50000"/>
-          </a:path>
-        </a:gradFill>
-      </a:bgFillStyleLst>
-    </a:fmtScheme>
-  </a:themeElements>
-</a:theme>
 </file>